--- a/figs/drawings.pptx
+++ b/figs/drawings.pptx
@@ -6,9 +6,12 @@
   </p:sldMasterIdLst>
   <p:sldIdLst>
     <p:sldId id="256" r:id="rId2"/>
-    <p:sldId id="257" r:id="rId3"/>
-    <p:sldId id="258" r:id="rId4"/>
-    <p:sldId id="259" r:id="rId5"/>
+    <p:sldId id="262" r:id="rId3"/>
+    <p:sldId id="260" r:id="rId4"/>
+    <p:sldId id="261" r:id="rId5"/>
+    <p:sldId id="257" r:id="rId6"/>
+    <p:sldId id="258" r:id="rId7"/>
+    <p:sldId id="259" r:id="rId8"/>
   </p:sldIdLst>
   <p:sldSz cx="12192000" cy="6858000"/>
   <p:notesSz cx="6858000" cy="9144000"/>
@@ -262,7 +265,7 @@
           <a:p>
             <a:fld id="{34C29F01-24A1-46F5-909F-DE641348926B}" type="datetimeFigureOut">
               <a:rPr lang="en-US" smtClean="0"/>
-              <a:t>9/4/2024</a:t>
+              <a:t>9/8/2024</a:t>
             </a:fld>
             <a:endParaRPr lang="en-US"/>
           </a:p>
@@ -460,7 +463,7 @@
           <a:p>
             <a:fld id="{34C29F01-24A1-46F5-909F-DE641348926B}" type="datetimeFigureOut">
               <a:rPr lang="en-US" smtClean="0"/>
-              <a:t>9/4/2024</a:t>
+              <a:t>9/8/2024</a:t>
             </a:fld>
             <a:endParaRPr lang="en-US"/>
           </a:p>
@@ -668,7 +671,7 @@
           <a:p>
             <a:fld id="{34C29F01-24A1-46F5-909F-DE641348926B}" type="datetimeFigureOut">
               <a:rPr lang="en-US" smtClean="0"/>
-              <a:t>9/4/2024</a:t>
+              <a:t>9/8/2024</a:t>
             </a:fld>
             <a:endParaRPr lang="en-US"/>
           </a:p>
@@ -866,7 +869,7 @@
           <a:p>
             <a:fld id="{34C29F01-24A1-46F5-909F-DE641348926B}" type="datetimeFigureOut">
               <a:rPr lang="en-US" smtClean="0"/>
-              <a:t>9/4/2024</a:t>
+              <a:t>9/8/2024</a:t>
             </a:fld>
             <a:endParaRPr lang="en-US"/>
           </a:p>
@@ -1141,7 +1144,7 @@
           <a:p>
             <a:fld id="{34C29F01-24A1-46F5-909F-DE641348926B}" type="datetimeFigureOut">
               <a:rPr lang="en-US" smtClean="0"/>
-              <a:t>9/4/2024</a:t>
+              <a:t>9/8/2024</a:t>
             </a:fld>
             <a:endParaRPr lang="en-US"/>
           </a:p>
@@ -1406,7 +1409,7 @@
           <a:p>
             <a:fld id="{34C29F01-24A1-46F5-909F-DE641348926B}" type="datetimeFigureOut">
               <a:rPr lang="en-US" smtClean="0"/>
-              <a:t>9/4/2024</a:t>
+              <a:t>9/8/2024</a:t>
             </a:fld>
             <a:endParaRPr lang="en-US"/>
           </a:p>
@@ -1818,7 +1821,7 @@
           <a:p>
             <a:fld id="{34C29F01-24A1-46F5-909F-DE641348926B}" type="datetimeFigureOut">
               <a:rPr lang="en-US" smtClean="0"/>
-              <a:t>9/4/2024</a:t>
+              <a:t>9/8/2024</a:t>
             </a:fld>
             <a:endParaRPr lang="en-US"/>
           </a:p>
@@ -1959,7 +1962,7 @@
           <a:p>
             <a:fld id="{34C29F01-24A1-46F5-909F-DE641348926B}" type="datetimeFigureOut">
               <a:rPr lang="en-US" smtClean="0"/>
-              <a:t>9/4/2024</a:t>
+              <a:t>9/8/2024</a:t>
             </a:fld>
             <a:endParaRPr lang="en-US"/>
           </a:p>
@@ -2072,7 +2075,7 @@
           <a:p>
             <a:fld id="{34C29F01-24A1-46F5-909F-DE641348926B}" type="datetimeFigureOut">
               <a:rPr lang="en-US" smtClean="0"/>
-              <a:t>9/4/2024</a:t>
+              <a:t>9/8/2024</a:t>
             </a:fld>
             <a:endParaRPr lang="en-US"/>
           </a:p>
@@ -2383,7 +2386,7 @@
           <a:p>
             <a:fld id="{34C29F01-24A1-46F5-909F-DE641348926B}" type="datetimeFigureOut">
               <a:rPr lang="en-US" smtClean="0"/>
-              <a:t>9/4/2024</a:t>
+              <a:t>9/8/2024</a:t>
             </a:fld>
             <a:endParaRPr lang="en-US"/>
           </a:p>
@@ -2671,7 +2674,7 @@
           <a:p>
             <a:fld id="{34C29F01-24A1-46F5-909F-DE641348926B}" type="datetimeFigureOut">
               <a:rPr lang="en-US" smtClean="0"/>
-              <a:t>9/4/2024</a:t>
+              <a:t>9/8/2024</a:t>
             </a:fld>
             <a:endParaRPr lang="en-US"/>
           </a:p>
@@ -2912,7 +2915,7 @@
           <a:p>
             <a:fld id="{34C29F01-24A1-46F5-909F-DE641348926B}" type="datetimeFigureOut">
               <a:rPr lang="en-US" smtClean="0"/>
-              <a:t>9/4/2024</a:t>
+              <a:t>9/8/2024</a:t>
             </a:fld>
             <a:endParaRPr lang="en-US"/>
           </a:p>
@@ -3393,6 +3396,1068 @@
 </file>
 
 <file path=ppt/slides/slide2.xml><?xml version="1.0" encoding="utf-8"?>
+<p:sld xmlns:a="http://schemas.openxmlformats.org/drawingml/2006/main" xmlns:r="http://schemas.openxmlformats.org/officeDocument/2006/relationships" xmlns:p="http://schemas.openxmlformats.org/presentationml/2006/main">
+  <p:cSld>
+    <p:spTree>
+      <p:nvGrpSpPr>
+        <p:cNvPr id="1" name=""/>
+        <p:cNvGrpSpPr/>
+        <p:nvPr/>
+      </p:nvGrpSpPr>
+      <p:grpSpPr>
+        <a:xfrm>
+          <a:off x="0" y="0"/>
+          <a:ext cx="0" cy="0"/>
+          <a:chOff x="0" y="0"/>
+          <a:chExt cx="0" cy="0"/>
+        </a:xfrm>
+      </p:grpSpPr>
+      <p:grpSp>
+        <p:nvGrpSpPr>
+          <p:cNvPr id="22" name="Group 21">
+            <a:extLst>
+              <a:ext uri="{FF2B5EF4-FFF2-40B4-BE49-F238E27FC236}">
+                <a16:creationId xmlns:a16="http://schemas.microsoft.com/office/drawing/2014/main" id="{9F011165-D78A-21A1-4330-5A7D04C791A4}"/>
+              </a:ext>
+            </a:extLst>
+          </p:cNvPr>
+          <p:cNvGrpSpPr/>
+          <p:nvPr/>
+        </p:nvGrpSpPr>
+        <p:grpSpPr>
+          <a:xfrm>
+            <a:off x="526085" y="1459885"/>
+            <a:ext cx="11139829" cy="3061437"/>
+            <a:chOff x="170893" y="1399924"/>
+            <a:chExt cx="11139829" cy="3061437"/>
+          </a:xfrm>
+        </p:grpSpPr>
+        <p:pic>
+          <p:nvPicPr>
+            <p:cNvPr id="2" name="Picture 1">
+              <a:extLst>
+                <a:ext uri="{FF2B5EF4-FFF2-40B4-BE49-F238E27FC236}">
+                  <a16:creationId xmlns:a16="http://schemas.microsoft.com/office/drawing/2014/main" id="{95C8FE3B-E859-E50E-3DF5-FF4C6D937BE8}"/>
+                </a:ext>
+              </a:extLst>
+            </p:cNvPr>
+            <p:cNvPicPr>
+              <a:picLocks noChangeAspect="1"/>
+            </p:cNvPicPr>
+            <p:nvPr/>
+          </p:nvPicPr>
+          <p:blipFill>
+            <a:blip r:embed="rId2"/>
+            <a:stretch>
+              <a:fillRect/>
+            </a:stretch>
+          </p:blipFill>
+          <p:spPr>
+            <a:xfrm>
+              <a:off x="194029" y="1756675"/>
+              <a:ext cx="1896280" cy="2058356"/>
+            </a:xfrm>
+            <a:prstGeom prst="rect">
+              <a:avLst/>
+            </a:prstGeom>
+          </p:spPr>
+        </p:pic>
+        <p:pic>
+          <p:nvPicPr>
+            <p:cNvPr id="4" name="Picture 2" descr="200612-FPGA-PHOTO-PolarFire-SoC-Icicle-Kit-Front-Transparent">
+              <a:extLst>
+                <a:ext uri="{FF2B5EF4-FFF2-40B4-BE49-F238E27FC236}">
+                  <a16:creationId xmlns:a16="http://schemas.microsoft.com/office/drawing/2014/main" id="{2A7C6C63-AE4C-77F3-5A9A-2A4ED6A8D2AC}"/>
+                </a:ext>
+              </a:extLst>
+            </p:cNvPr>
+            <p:cNvPicPr>
+              <a:picLocks noChangeAspect="1" noChangeArrowheads="1"/>
+            </p:cNvPicPr>
+            <p:nvPr/>
+          </p:nvPicPr>
+          <p:blipFill>
+            <a:blip r:embed="rId3">
+              <a:extLst>
+                <a:ext uri="{28A0092B-C50C-407E-A947-70E740481C1C}">
+                  <a14:useLocalDpi xmlns:a14="http://schemas.microsoft.com/office/drawing/2010/main" val="0"/>
+                </a:ext>
+              </a:extLst>
+            </a:blip>
+            <a:srcRect/>
+            <a:stretch>
+              <a:fillRect/>
+            </a:stretch>
+          </p:blipFill>
+          <p:spPr bwMode="auto">
+            <a:xfrm>
+              <a:off x="6027463" y="1756675"/>
+              <a:ext cx="2800484" cy="2058356"/>
+            </a:xfrm>
+            <a:prstGeom prst="rect">
+              <a:avLst/>
+            </a:prstGeom>
+            <a:noFill/>
+            <a:extLst>
+              <a:ext uri="{909E8E84-426E-40DD-AFC4-6F175D3DCCD1}">
+                <a14:hiddenFill xmlns:a14="http://schemas.microsoft.com/office/drawing/2010/main">
+                  <a:solidFill>
+                    <a:srgbClr val="FFFFFF"/>
+                  </a:solidFill>
+                </a14:hiddenFill>
+              </a:ext>
+            </a:extLst>
+          </p:spPr>
+        </p:pic>
+        <p:pic>
+          <p:nvPicPr>
+            <p:cNvPr id="5" name="Picture 2">
+              <a:extLst>
+                <a:ext uri="{FF2B5EF4-FFF2-40B4-BE49-F238E27FC236}">
+                  <a16:creationId xmlns:a16="http://schemas.microsoft.com/office/drawing/2014/main" id="{F6C6B79C-C8C6-94F2-D76A-70E5D84CDAE5}"/>
+                </a:ext>
+              </a:extLst>
+            </p:cNvPr>
+            <p:cNvPicPr>
+              <a:picLocks noChangeAspect="1" noChangeArrowheads="1"/>
+            </p:cNvPicPr>
+            <p:nvPr/>
+          </p:nvPicPr>
+          <p:blipFill rotWithShape="1">
+            <a:blip r:embed="rId4">
+              <a:extLst>
+                <a:ext uri="{28A0092B-C50C-407E-A947-70E740481C1C}">
+                  <a14:useLocalDpi xmlns:a14="http://schemas.microsoft.com/office/drawing/2010/main" val="0"/>
+                </a:ext>
+              </a:extLst>
+            </a:blip>
+            <a:srcRect l="47377" t="2937" r="21148" b="6332"/>
+            <a:stretch/>
+          </p:blipFill>
+          <p:spPr bwMode="auto">
+            <a:xfrm rot="5400000">
+              <a:off x="3398335" y="1785907"/>
+              <a:ext cx="1390829" cy="2455682"/>
+            </a:xfrm>
+            <a:prstGeom prst="rect">
+              <a:avLst/>
+            </a:prstGeom>
+            <a:noFill/>
+            <a:extLst>
+              <a:ext uri="{909E8E84-426E-40DD-AFC4-6F175D3DCCD1}">
+                <a14:hiddenFill xmlns:a14="http://schemas.microsoft.com/office/drawing/2010/main">
+                  <a:solidFill>
+                    <a:srgbClr val="FFFFFF"/>
+                  </a:solidFill>
+                </a14:hiddenFill>
+              </a:ext>
+            </a:extLst>
+          </p:spPr>
+        </p:pic>
+        <p:sp>
+          <p:nvSpPr>
+            <p:cNvPr id="6" name="Arrow: Up-Down 5">
+              <a:extLst>
+                <a:ext uri="{FF2B5EF4-FFF2-40B4-BE49-F238E27FC236}">
+                  <a16:creationId xmlns:a16="http://schemas.microsoft.com/office/drawing/2014/main" id="{95E5A4E9-2D0E-5E2D-B7FF-2AB2546D93FE}"/>
+                </a:ext>
+              </a:extLst>
+            </p:cNvPr>
+            <p:cNvSpPr/>
+            <p:nvPr/>
+          </p:nvSpPr>
+          <p:spPr>
+            <a:xfrm rot="5400000">
+              <a:off x="5593948" y="2399630"/>
+              <a:ext cx="209204" cy="657825"/>
+            </a:xfrm>
+            <a:prstGeom prst="upDownArrow">
+              <a:avLst/>
+            </a:prstGeom>
+          </p:spPr>
+          <p:style>
+            <a:lnRef idx="2">
+              <a:schemeClr val="accent1">
+                <a:shade val="15000"/>
+              </a:schemeClr>
+            </a:lnRef>
+            <a:fillRef idx="1">
+              <a:schemeClr val="accent1"/>
+            </a:fillRef>
+            <a:effectRef idx="0">
+              <a:schemeClr val="accent1"/>
+            </a:effectRef>
+            <a:fontRef idx="minor">
+              <a:schemeClr val="lt1"/>
+            </a:fontRef>
+          </p:style>
+          <p:txBody>
+            <a:bodyPr rtlCol="0" anchor="ctr"/>
+            <a:lstStyle/>
+            <a:p>
+              <a:pPr algn="ctr"/>
+              <a:endParaRPr lang="en-US"/>
+            </a:p>
+          </p:txBody>
+        </p:sp>
+        <p:pic>
+          <p:nvPicPr>
+            <p:cNvPr id="7" name="Picture 4" descr="191,000+ Computer Clipart Stock Illustrations, Royalty-Free Vector Graphics  &amp; Clip Art - iStock | Scanner clipart, Radio clipart, Mouse">
+              <a:extLst>
+                <a:ext uri="{FF2B5EF4-FFF2-40B4-BE49-F238E27FC236}">
+                  <a16:creationId xmlns:a16="http://schemas.microsoft.com/office/drawing/2014/main" id="{299BB9A7-66F5-F574-E531-496EAD1F65C4}"/>
+                </a:ext>
+              </a:extLst>
+            </p:cNvPr>
+            <p:cNvPicPr>
+              <a:picLocks noChangeAspect="1" noChangeArrowheads="1"/>
+            </p:cNvPicPr>
+            <p:nvPr/>
+          </p:nvPicPr>
+          <p:blipFill rotWithShape="1">
+            <a:blip r:embed="rId5">
+              <a:extLst>
+                <a:ext uri="{28A0092B-C50C-407E-A947-70E740481C1C}">
+                  <a14:useLocalDpi xmlns:a14="http://schemas.microsoft.com/office/drawing/2010/main" val="0"/>
+                </a:ext>
+              </a:extLst>
+            </a:blip>
+            <a:srcRect l="19485" t="24606" r="19313" b="22935"/>
+            <a:stretch/>
+          </p:blipFill>
+          <p:spPr bwMode="auto">
+            <a:xfrm>
+              <a:off x="9392421" y="2011015"/>
+              <a:ext cx="1918301" cy="1644259"/>
+            </a:xfrm>
+            <a:prstGeom prst="rect">
+              <a:avLst/>
+            </a:prstGeom>
+            <a:noFill/>
+            <a:extLst>
+              <a:ext uri="{909E8E84-426E-40DD-AFC4-6F175D3DCCD1}">
+                <a14:hiddenFill xmlns:a14="http://schemas.microsoft.com/office/drawing/2010/main">
+                  <a:solidFill>
+                    <a:srgbClr val="FFFFFF"/>
+                  </a:solidFill>
+                </a14:hiddenFill>
+              </a:ext>
+            </a:extLst>
+          </p:spPr>
+        </p:pic>
+        <p:sp>
+          <p:nvSpPr>
+            <p:cNvPr id="8" name="Arrow: Up-Down 7">
+              <a:extLst>
+                <a:ext uri="{FF2B5EF4-FFF2-40B4-BE49-F238E27FC236}">
+                  <a16:creationId xmlns:a16="http://schemas.microsoft.com/office/drawing/2014/main" id="{190919A2-4B70-47D3-1003-0F959D1D1C47}"/>
+                </a:ext>
+              </a:extLst>
+            </p:cNvPr>
+            <p:cNvSpPr/>
+            <p:nvPr/>
+          </p:nvSpPr>
+          <p:spPr>
+            <a:xfrm rot="5400000">
+              <a:off x="9005583" y="3105397"/>
+              <a:ext cx="209204" cy="657825"/>
+            </a:xfrm>
+            <a:prstGeom prst="upDownArrow">
+              <a:avLst/>
+            </a:prstGeom>
+          </p:spPr>
+          <p:style>
+            <a:lnRef idx="2">
+              <a:schemeClr val="accent1">
+                <a:shade val="15000"/>
+              </a:schemeClr>
+            </a:lnRef>
+            <a:fillRef idx="1">
+              <a:schemeClr val="accent1"/>
+            </a:fillRef>
+            <a:effectRef idx="0">
+              <a:schemeClr val="accent1"/>
+            </a:effectRef>
+            <a:fontRef idx="minor">
+              <a:schemeClr val="lt1"/>
+            </a:fontRef>
+          </p:style>
+          <p:txBody>
+            <a:bodyPr rtlCol="0" anchor="ctr"/>
+            <a:lstStyle/>
+            <a:p>
+              <a:pPr algn="ctr"/>
+              <a:endParaRPr lang="en-US"/>
+            </a:p>
+          </p:txBody>
+        </p:sp>
+        <p:pic>
+          <p:nvPicPr>
+            <p:cNvPr id="10" name="Picture 9">
+              <a:extLst>
+                <a:ext uri="{FF2B5EF4-FFF2-40B4-BE49-F238E27FC236}">
+                  <a16:creationId xmlns:a16="http://schemas.microsoft.com/office/drawing/2014/main" id="{0E9468FF-2737-BA59-76E4-6F16F5A4870C}"/>
+                </a:ext>
+              </a:extLst>
+            </p:cNvPr>
+            <p:cNvPicPr>
+              <a:picLocks noChangeAspect="1"/>
+            </p:cNvPicPr>
+            <p:nvPr/>
+          </p:nvPicPr>
+          <p:blipFill>
+            <a:blip r:embed="rId6"/>
+            <a:stretch>
+              <a:fillRect/>
+            </a:stretch>
+          </p:blipFill>
+          <p:spPr>
+            <a:xfrm>
+              <a:off x="9584600" y="2318333"/>
+              <a:ext cx="1465231" cy="514811"/>
+            </a:xfrm>
+            <a:prstGeom prst="rect">
+              <a:avLst/>
+            </a:prstGeom>
+          </p:spPr>
+        </p:pic>
+        <p:pic>
+          <p:nvPicPr>
+            <p:cNvPr id="3074" name="Picture 2" descr="What's the difference between Bluetooth and Wi-Fi? - The Solid Signal Blog">
+              <a:extLst>
+                <a:ext uri="{FF2B5EF4-FFF2-40B4-BE49-F238E27FC236}">
+                  <a16:creationId xmlns:a16="http://schemas.microsoft.com/office/drawing/2014/main" id="{9744684D-C2C5-9131-2BE5-66E82136B8EB}"/>
+                </a:ext>
+              </a:extLst>
+            </p:cNvPr>
+            <p:cNvPicPr>
+              <a:picLocks noChangeAspect="1" noChangeArrowheads="1"/>
+            </p:cNvPicPr>
+            <p:nvPr/>
+          </p:nvPicPr>
+          <p:blipFill>
+            <a:blip r:embed="rId7">
+              <a:extLst>
+                <a:ext uri="{28A0092B-C50C-407E-A947-70E740481C1C}">
+                  <a14:useLocalDpi xmlns:a14="http://schemas.microsoft.com/office/drawing/2010/main" val="0"/>
+                </a:ext>
+              </a:extLst>
+            </a:blip>
+            <a:srcRect/>
+            <a:stretch>
+              <a:fillRect/>
+            </a:stretch>
+          </p:blipFill>
+          <p:spPr bwMode="auto">
+            <a:xfrm>
+              <a:off x="1684898" y="2485270"/>
+              <a:ext cx="1132965" cy="601165"/>
+            </a:xfrm>
+            <a:prstGeom prst="rect">
+              <a:avLst/>
+            </a:prstGeom>
+            <a:noFill/>
+            <a:extLst>
+              <a:ext uri="{909E8E84-426E-40DD-AFC4-6F175D3DCCD1}">
+                <a14:hiddenFill xmlns:a14="http://schemas.microsoft.com/office/drawing/2010/main">
+                  <a:solidFill>
+                    <a:srgbClr val="FFFFFF"/>
+                  </a:solidFill>
+                </a14:hiddenFill>
+              </a:ext>
+            </a:extLst>
+          </p:spPr>
+        </p:pic>
+        <p:pic>
+          <p:nvPicPr>
+            <p:cNvPr id="11" name="Picture 10">
+              <a:extLst>
+                <a:ext uri="{FF2B5EF4-FFF2-40B4-BE49-F238E27FC236}">
+                  <a16:creationId xmlns:a16="http://schemas.microsoft.com/office/drawing/2014/main" id="{9B620BD0-6D47-8235-A311-43221CDF234A}"/>
+                </a:ext>
+              </a:extLst>
+            </p:cNvPr>
+            <p:cNvPicPr>
+              <a:picLocks noChangeAspect="1"/>
+            </p:cNvPicPr>
+            <p:nvPr/>
+          </p:nvPicPr>
+          <p:blipFill rotWithShape="1">
+            <a:blip r:embed="rId8"/>
+            <a:srcRect l="6944" r="10739"/>
+            <a:stretch/>
+          </p:blipFill>
+          <p:spPr>
+            <a:xfrm flipH="1">
+              <a:off x="4093749" y="1667393"/>
+              <a:ext cx="800478" cy="650940"/>
+            </a:xfrm>
+            <a:prstGeom prst="rect">
+              <a:avLst/>
+            </a:prstGeom>
+          </p:spPr>
+        </p:pic>
+        <p:cxnSp>
+          <p:nvCxnSpPr>
+            <p:cNvPr id="13" name="Connector: Elbow 12">
+              <a:extLst>
+                <a:ext uri="{FF2B5EF4-FFF2-40B4-BE49-F238E27FC236}">
+                  <a16:creationId xmlns:a16="http://schemas.microsoft.com/office/drawing/2014/main" id="{AE48C7DF-BCEB-E949-9489-223B17F98CEE}"/>
+                </a:ext>
+              </a:extLst>
+            </p:cNvPr>
+            <p:cNvCxnSpPr>
+              <a:stCxn id="7" idx="0"/>
+              <a:endCxn id="11" idx="0"/>
+            </p:cNvCxnSpPr>
+            <p:nvPr/>
+          </p:nvCxnSpPr>
+          <p:spPr>
+            <a:xfrm rot="16200000" flipV="1">
+              <a:off x="7250969" y="-1089588"/>
+              <a:ext cx="343622" cy="5857584"/>
+            </a:xfrm>
+            <a:prstGeom prst="bentConnector3">
+              <a:avLst>
+                <a:gd name="adj1" fmla="val 166527"/>
+              </a:avLst>
+            </a:prstGeom>
+            <a:ln w="28575" cap="flat" cmpd="sng" algn="ctr">
+              <a:solidFill>
+                <a:schemeClr val="dk1"/>
+              </a:solidFill>
+              <a:prstDash val="dash"/>
+              <a:round/>
+              <a:headEnd type="triangle" w="med" len="med"/>
+              <a:tailEnd type="triangle" w="med" len="med"/>
+            </a:ln>
+          </p:spPr>
+          <p:style>
+            <a:lnRef idx="0">
+              <a:scrgbClr r="0" g="0" b="0"/>
+            </a:lnRef>
+            <a:fillRef idx="0">
+              <a:scrgbClr r="0" g="0" b="0"/>
+            </a:fillRef>
+            <a:effectRef idx="0">
+              <a:scrgbClr r="0" g="0" b="0"/>
+            </a:effectRef>
+            <a:fontRef idx="minor">
+              <a:schemeClr val="tx1"/>
+            </a:fontRef>
+          </p:style>
+        </p:cxnSp>
+        <p:sp>
+          <p:nvSpPr>
+            <p:cNvPr id="14" name="TextBox 13">
+              <a:extLst>
+                <a:ext uri="{FF2B5EF4-FFF2-40B4-BE49-F238E27FC236}">
+                  <a16:creationId xmlns:a16="http://schemas.microsoft.com/office/drawing/2014/main" id="{11E1DC1F-C664-60F7-03D8-91DD8166E0F8}"/>
+                </a:ext>
+              </a:extLst>
+            </p:cNvPr>
+            <p:cNvSpPr txBox="1"/>
+            <p:nvPr/>
+          </p:nvSpPr>
+          <p:spPr>
+            <a:xfrm>
+              <a:off x="170893" y="3815030"/>
+              <a:ext cx="2646970" cy="646331"/>
+            </a:xfrm>
+            <a:prstGeom prst="rect">
+              <a:avLst/>
+            </a:prstGeom>
+            <a:noFill/>
+          </p:spPr>
+          <p:txBody>
+            <a:bodyPr wrap="square">
+              <a:spAutoFit/>
+            </a:bodyPr>
+            <a:lstStyle/>
+            <a:p>
+              <a:r>
+                <a:rPr lang="en-US" b="1" i="0" dirty="0">
+                  <a:solidFill>
+                    <a:srgbClr val="000000"/>
+                  </a:solidFill>
+                  <a:effectLst/>
+                  <a:highlight>
+                    <a:srgbClr val="FFFFFF"/>
+                  </a:highlight>
+                  <a:latin typeface="3MCircular"/>
+                </a:rPr>
+                <a:t>The 3M™ </a:t>
+              </a:r>
+              <a:r>
+                <a:rPr lang="en-US" b="1" i="0" dirty="0" err="1">
+                  <a:solidFill>
+                    <a:srgbClr val="000000"/>
+                  </a:solidFill>
+                  <a:effectLst/>
+                  <a:highlight>
+                    <a:srgbClr val="FFFFFF"/>
+                  </a:highlight>
+                  <a:latin typeface="3MCircular"/>
+                </a:rPr>
+                <a:t>Littmann</a:t>
+              </a:r>
+              <a:r>
+                <a:rPr lang="en-US" b="1" i="0" dirty="0">
+                  <a:solidFill>
+                    <a:srgbClr val="000000"/>
+                  </a:solidFill>
+                  <a:effectLst/>
+                  <a:highlight>
+                    <a:srgbClr val="FFFFFF"/>
+                  </a:highlight>
+                  <a:latin typeface="3MCircular"/>
+                </a:rPr>
+                <a:t>® CORE Digital Stethoscope</a:t>
+              </a:r>
+              <a:endParaRPr lang="en-US" dirty="0"/>
+            </a:p>
+          </p:txBody>
+        </p:sp>
+        <p:sp>
+          <p:nvSpPr>
+            <p:cNvPr id="16" name="TextBox 15">
+              <a:extLst>
+                <a:ext uri="{FF2B5EF4-FFF2-40B4-BE49-F238E27FC236}">
+                  <a16:creationId xmlns:a16="http://schemas.microsoft.com/office/drawing/2014/main" id="{AD333546-CC66-5E8E-E799-F6203D4A01EB}"/>
+                </a:ext>
+              </a:extLst>
+            </p:cNvPr>
+            <p:cNvSpPr txBox="1"/>
+            <p:nvPr/>
+          </p:nvSpPr>
+          <p:spPr>
+            <a:xfrm flipH="1">
+              <a:off x="1642154" y="3059668"/>
+              <a:ext cx="1218451" cy="369332"/>
+            </a:xfrm>
+            <a:prstGeom prst="rect">
+              <a:avLst/>
+            </a:prstGeom>
+            <a:noFill/>
+          </p:spPr>
+          <p:txBody>
+            <a:bodyPr wrap="square" rtlCol="0">
+              <a:spAutoFit/>
+            </a:bodyPr>
+            <a:lstStyle/>
+            <a:p>
+              <a:r>
+                <a:rPr lang="en-US" b="1" dirty="0">
+                  <a:solidFill>
+                    <a:srgbClr val="0070C0"/>
+                  </a:solidFill>
+                </a:rPr>
+                <a:t>Bluetooth</a:t>
+              </a:r>
+            </a:p>
+          </p:txBody>
+        </p:sp>
+        <p:sp>
+          <p:nvSpPr>
+            <p:cNvPr id="17" name="TextBox 16">
+              <a:extLst>
+                <a:ext uri="{FF2B5EF4-FFF2-40B4-BE49-F238E27FC236}">
+                  <a16:creationId xmlns:a16="http://schemas.microsoft.com/office/drawing/2014/main" id="{5F70ABAE-6F15-73ED-518D-926EDAFA84D8}"/>
+                </a:ext>
+              </a:extLst>
+            </p:cNvPr>
+            <p:cNvSpPr txBox="1"/>
+            <p:nvPr/>
+          </p:nvSpPr>
+          <p:spPr>
+            <a:xfrm flipH="1">
+              <a:off x="3675776" y="3709163"/>
+              <a:ext cx="1218451" cy="369332"/>
+            </a:xfrm>
+            <a:prstGeom prst="rect">
+              <a:avLst/>
+            </a:prstGeom>
+            <a:noFill/>
+          </p:spPr>
+          <p:txBody>
+            <a:bodyPr wrap="square" rtlCol="0">
+              <a:spAutoFit/>
+            </a:bodyPr>
+            <a:lstStyle/>
+            <a:p>
+              <a:r>
+                <a:rPr lang="en-US" b="1" dirty="0"/>
+                <a:t>ESP 32</a:t>
+              </a:r>
+            </a:p>
+          </p:txBody>
+        </p:sp>
+        <p:sp>
+          <p:nvSpPr>
+            <p:cNvPr id="18" name="TextBox 17">
+              <a:extLst>
+                <a:ext uri="{FF2B5EF4-FFF2-40B4-BE49-F238E27FC236}">
+                  <a16:creationId xmlns:a16="http://schemas.microsoft.com/office/drawing/2014/main" id="{759DE299-71B0-3C26-65B8-B848200CC135}"/>
+                </a:ext>
+              </a:extLst>
+            </p:cNvPr>
+            <p:cNvSpPr txBox="1"/>
+            <p:nvPr/>
+          </p:nvSpPr>
+          <p:spPr>
+            <a:xfrm flipH="1">
+              <a:off x="5416314" y="2937415"/>
+              <a:ext cx="657825" cy="369332"/>
+            </a:xfrm>
+            <a:prstGeom prst="rect">
+              <a:avLst/>
+            </a:prstGeom>
+            <a:noFill/>
+          </p:spPr>
+          <p:txBody>
+            <a:bodyPr wrap="square" rtlCol="0">
+              <a:spAutoFit/>
+            </a:bodyPr>
+            <a:lstStyle/>
+            <a:p>
+              <a:r>
+                <a:rPr lang="en-US" b="1" dirty="0"/>
+                <a:t>SPI</a:t>
+              </a:r>
+            </a:p>
+          </p:txBody>
+        </p:sp>
+        <p:sp>
+          <p:nvSpPr>
+            <p:cNvPr id="19" name="TextBox 18">
+              <a:extLst>
+                <a:ext uri="{FF2B5EF4-FFF2-40B4-BE49-F238E27FC236}">
+                  <a16:creationId xmlns:a16="http://schemas.microsoft.com/office/drawing/2014/main" id="{50B7609A-7C74-31D4-55C3-E7079922FA31}"/>
+                </a:ext>
+              </a:extLst>
+            </p:cNvPr>
+            <p:cNvSpPr txBox="1"/>
+            <p:nvPr/>
+          </p:nvSpPr>
+          <p:spPr>
+            <a:xfrm flipH="1">
+              <a:off x="5135090" y="1399924"/>
+              <a:ext cx="657825" cy="369332"/>
+            </a:xfrm>
+            <a:prstGeom prst="rect">
+              <a:avLst/>
+            </a:prstGeom>
+            <a:noFill/>
+          </p:spPr>
+          <p:txBody>
+            <a:bodyPr wrap="square" rtlCol="0">
+              <a:spAutoFit/>
+            </a:bodyPr>
+            <a:lstStyle/>
+            <a:p>
+              <a:r>
+                <a:rPr lang="en-US" b="1" dirty="0" err="1"/>
+                <a:t>WiFi</a:t>
+              </a:r>
+              <a:endParaRPr lang="en-US" b="1" dirty="0"/>
+            </a:p>
+          </p:txBody>
+        </p:sp>
+        <p:sp>
+          <p:nvSpPr>
+            <p:cNvPr id="21" name="TextBox 20">
+              <a:extLst>
+                <a:ext uri="{FF2B5EF4-FFF2-40B4-BE49-F238E27FC236}">
+                  <a16:creationId xmlns:a16="http://schemas.microsoft.com/office/drawing/2014/main" id="{95234E60-0DFC-0C31-4EFE-57D2C462FA59}"/>
+                </a:ext>
+              </a:extLst>
+            </p:cNvPr>
+            <p:cNvSpPr txBox="1"/>
+            <p:nvPr/>
+          </p:nvSpPr>
+          <p:spPr>
+            <a:xfrm>
+              <a:off x="5601743" y="3863815"/>
+              <a:ext cx="3642074" cy="369332"/>
+            </a:xfrm>
+            <a:prstGeom prst="rect">
+              <a:avLst/>
+            </a:prstGeom>
+            <a:noFill/>
+          </p:spPr>
+          <p:txBody>
+            <a:bodyPr wrap="square">
+              <a:spAutoFit/>
+            </a:bodyPr>
+            <a:lstStyle/>
+            <a:p>
+              <a:pPr algn="l"/>
+              <a:r>
+                <a:rPr lang="en-US" b="1" i="0" dirty="0" err="1">
+                  <a:solidFill>
+                    <a:srgbClr val="34333E"/>
+                  </a:solidFill>
+                  <a:effectLst/>
+                  <a:latin typeface="Open Sans" panose="020B0606030504020204" pitchFamily="34" charset="0"/>
+                </a:rPr>
+                <a:t>PolarFire</a:t>
+              </a:r>
+              <a:r>
+                <a:rPr lang="en-US" b="1" i="0" dirty="0">
+                  <a:solidFill>
+                    <a:srgbClr val="34333E"/>
+                  </a:solidFill>
+                  <a:effectLst/>
+                  <a:latin typeface="Open Sans" panose="020B0606030504020204" pitchFamily="34" charset="0"/>
+                </a:rPr>
+                <a:t>® SoC FPGA Icicle Kit</a:t>
+              </a:r>
+            </a:p>
+          </p:txBody>
+        </p:sp>
+      </p:grpSp>
+    </p:spTree>
+    <p:extLst>
+      <p:ext uri="{BB962C8B-B14F-4D97-AF65-F5344CB8AC3E}">
+        <p14:creationId xmlns:p14="http://schemas.microsoft.com/office/powerpoint/2010/main" val="697700535"/>
+      </p:ext>
+    </p:extLst>
+  </p:cSld>
+  <p:clrMapOvr>
+    <a:masterClrMapping/>
+  </p:clrMapOvr>
+</p:sld>
+</file>
+
+<file path=ppt/slides/slide3.xml><?xml version="1.0" encoding="utf-8"?>
+<p:sld xmlns:a="http://schemas.openxmlformats.org/drawingml/2006/main" xmlns:r="http://schemas.openxmlformats.org/officeDocument/2006/relationships" xmlns:p="http://schemas.openxmlformats.org/presentationml/2006/main">
+  <p:cSld>
+    <p:spTree>
+      <p:nvGrpSpPr>
+        <p:cNvPr id="1" name=""/>
+        <p:cNvGrpSpPr/>
+        <p:nvPr/>
+      </p:nvGrpSpPr>
+      <p:grpSpPr>
+        <a:xfrm>
+          <a:off x="0" y="0"/>
+          <a:ext cx="0" cy="0"/>
+          <a:chOff x="0" y="0"/>
+          <a:chExt cx="0" cy="0"/>
+        </a:xfrm>
+      </p:grpSpPr>
+      <p:pic>
+        <p:nvPicPr>
+          <p:cNvPr id="1026" name="Picture 2" descr="200612-FPGA-PHOTO-PolarFire-SoC-Icicle-Kit-Front-Transparent">
+            <a:extLst>
+              <a:ext uri="{FF2B5EF4-FFF2-40B4-BE49-F238E27FC236}">
+                <a16:creationId xmlns:a16="http://schemas.microsoft.com/office/drawing/2014/main" id="{7758A3C9-55C2-8019-3308-86141331FAA9}"/>
+              </a:ext>
+            </a:extLst>
+          </p:cNvPr>
+          <p:cNvPicPr>
+            <a:picLocks noChangeAspect="1" noChangeArrowheads="1"/>
+          </p:cNvPicPr>
+          <p:nvPr/>
+        </p:nvPicPr>
+        <p:blipFill>
+          <a:blip r:embed="rId2">
+            <a:extLst>
+              <a:ext uri="{28A0092B-C50C-407E-A947-70E740481C1C}">
+                <a14:useLocalDpi xmlns:a14="http://schemas.microsoft.com/office/drawing/2010/main" val="0"/>
+              </a:ext>
+            </a:extLst>
+          </a:blip>
+          <a:srcRect/>
+          <a:stretch>
+            <a:fillRect/>
+          </a:stretch>
+        </p:blipFill>
+        <p:spPr bwMode="auto">
+          <a:xfrm>
+            <a:off x="2286000" y="628650"/>
+            <a:ext cx="7620000" cy="5600700"/>
+          </a:xfrm>
+          <a:prstGeom prst="rect">
+            <a:avLst/>
+          </a:prstGeom>
+          <a:noFill/>
+          <a:extLst>
+            <a:ext uri="{909E8E84-426E-40DD-AFC4-6F175D3DCCD1}">
+              <a14:hiddenFill xmlns:a14="http://schemas.microsoft.com/office/drawing/2010/main">
+                <a:solidFill>
+                  <a:srgbClr val="FFFFFF"/>
+                </a:solidFill>
+              </a14:hiddenFill>
+            </a:ext>
+          </a:extLst>
+        </p:spPr>
+      </p:pic>
+    </p:spTree>
+    <p:extLst>
+      <p:ext uri="{BB962C8B-B14F-4D97-AF65-F5344CB8AC3E}">
+        <p14:creationId xmlns:p14="http://schemas.microsoft.com/office/powerpoint/2010/main" val="1175037413"/>
+      </p:ext>
+    </p:extLst>
+  </p:cSld>
+  <p:clrMapOvr>
+    <a:masterClrMapping/>
+  </p:clrMapOvr>
+</p:sld>
+</file>
+
+<file path=ppt/slides/slide4.xml><?xml version="1.0" encoding="utf-8"?>
+<p:sld xmlns:a="http://schemas.openxmlformats.org/drawingml/2006/main" xmlns:r="http://schemas.openxmlformats.org/officeDocument/2006/relationships" xmlns:p="http://schemas.openxmlformats.org/presentationml/2006/main">
+  <p:cSld>
+    <p:spTree>
+      <p:nvGrpSpPr>
+        <p:cNvPr id="1" name=""/>
+        <p:cNvGrpSpPr/>
+        <p:nvPr/>
+      </p:nvGrpSpPr>
+      <p:grpSpPr>
+        <a:xfrm>
+          <a:off x="0" y="0"/>
+          <a:ext cx="0" cy="0"/>
+          <a:chOff x="0" y="0"/>
+          <a:chExt cx="0" cy="0"/>
+        </a:xfrm>
+      </p:grpSpPr>
+      <p:pic>
+        <p:nvPicPr>
+          <p:cNvPr id="5" name="Picture 4">
+            <a:extLst>
+              <a:ext uri="{FF2B5EF4-FFF2-40B4-BE49-F238E27FC236}">
+                <a16:creationId xmlns:a16="http://schemas.microsoft.com/office/drawing/2014/main" id="{2234A6A4-AC7E-3D13-BAD0-586E285C875F}"/>
+              </a:ext>
+            </a:extLst>
+          </p:cNvPr>
+          <p:cNvPicPr>
+            <a:picLocks noChangeAspect="1"/>
+          </p:cNvPicPr>
+          <p:nvPr/>
+        </p:nvPicPr>
+        <p:blipFill>
+          <a:blip r:embed="rId2"/>
+          <a:stretch>
+            <a:fillRect/>
+          </a:stretch>
+        </p:blipFill>
+        <p:spPr>
+          <a:xfrm>
+            <a:off x="534055" y="1614234"/>
+            <a:ext cx="2365815" cy="2568022"/>
+          </a:xfrm>
+          <a:prstGeom prst="rect">
+            <a:avLst/>
+          </a:prstGeom>
+        </p:spPr>
+      </p:pic>
+      <p:sp>
+        <p:nvSpPr>
+          <p:cNvPr id="7" name="TextBox 6">
+            <a:extLst>
+              <a:ext uri="{FF2B5EF4-FFF2-40B4-BE49-F238E27FC236}">
+                <a16:creationId xmlns:a16="http://schemas.microsoft.com/office/drawing/2014/main" id="{AB37F368-675B-229F-5955-B5BE61D644B2}"/>
+              </a:ext>
+            </a:extLst>
+          </p:cNvPr>
+          <p:cNvSpPr txBox="1"/>
+          <p:nvPr/>
+        </p:nvSpPr>
+        <p:spPr>
+          <a:xfrm>
+            <a:off x="351063" y="6021389"/>
+            <a:ext cx="6098582" cy="369332"/>
+          </a:xfrm>
+          <a:prstGeom prst="rect">
+            <a:avLst/>
+          </a:prstGeom>
+          <a:noFill/>
+        </p:spPr>
+        <p:txBody>
+          <a:bodyPr wrap="square">
+            <a:spAutoFit/>
+          </a:bodyPr>
+          <a:lstStyle/>
+          <a:p>
+            <a:r>
+              <a:rPr lang="en-US" b="1" i="0" dirty="0">
+                <a:solidFill>
+                  <a:srgbClr val="000000"/>
+                </a:solidFill>
+                <a:effectLst/>
+                <a:highlight>
+                  <a:srgbClr val="FFFFFF"/>
+                </a:highlight>
+                <a:latin typeface="3MCircular"/>
+              </a:rPr>
+              <a:t>The 3M™ </a:t>
+            </a:r>
+            <a:r>
+              <a:rPr lang="en-US" b="1" i="0" dirty="0" err="1">
+                <a:solidFill>
+                  <a:srgbClr val="000000"/>
+                </a:solidFill>
+                <a:effectLst/>
+                <a:highlight>
+                  <a:srgbClr val="FFFFFF"/>
+                </a:highlight>
+                <a:latin typeface="3MCircular"/>
+              </a:rPr>
+              <a:t>Littmann</a:t>
+            </a:r>
+            <a:r>
+              <a:rPr lang="en-US" b="1" i="0" dirty="0">
+                <a:solidFill>
+                  <a:srgbClr val="000000"/>
+                </a:solidFill>
+                <a:effectLst/>
+                <a:highlight>
+                  <a:srgbClr val="FFFFFF"/>
+                </a:highlight>
+                <a:latin typeface="3MCircular"/>
+              </a:rPr>
+              <a:t>® CORE Digital Stethoscope</a:t>
+            </a:r>
+            <a:endParaRPr lang="en-US" dirty="0"/>
+          </a:p>
+        </p:txBody>
+      </p:sp>
+      <p:pic>
+        <p:nvPicPr>
+          <p:cNvPr id="9" name="Picture 8">
+            <a:extLst>
+              <a:ext uri="{FF2B5EF4-FFF2-40B4-BE49-F238E27FC236}">
+                <a16:creationId xmlns:a16="http://schemas.microsoft.com/office/drawing/2014/main" id="{2DA84811-D601-9F68-0FAD-D082D0E395FF}"/>
+              </a:ext>
+            </a:extLst>
+          </p:cNvPr>
+          <p:cNvPicPr>
+            <a:picLocks noChangeAspect="1"/>
+          </p:cNvPicPr>
+          <p:nvPr/>
+        </p:nvPicPr>
+        <p:blipFill>
+          <a:blip r:embed="rId3"/>
+          <a:stretch>
+            <a:fillRect/>
+          </a:stretch>
+        </p:blipFill>
+        <p:spPr>
+          <a:xfrm rot="16200000">
+            <a:off x="3441461" y="1555265"/>
+            <a:ext cx="1036086" cy="2119267"/>
+          </a:xfrm>
+          <a:prstGeom prst="rect">
+            <a:avLst/>
+          </a:prstGeom>
+        </p:spPr>
+      </p:pic>
+      <p:pic>
+        <p:nvPicPr>
+          <p:cNvPr id="2050" name="Picture 2">
+            <a:extLst>
+              <a:ext uri="{FF2B5EF4-FFF2-40B4-BE49-F238E27FC236}">
+                <a16:creationId xmlns:a16="http://schemas.microsoft.com/office/drawing/2014/main" id="{C30A20F6-9D02-3AAB-24D7-63EC8E8625BC}"/>
+              </a:ext>
+            </a:extLst>
+          </p:cNvPr>
+          <p:cNvPicPr>
+            <a:picLocks noChangeAspect="1" noChangeArrowheads="1"/>
+          </p:cNvPicPr>
+          <p:nvPr/>
+        </p:nvPicPr>
+        <p:blipFill rotWithShape="1">
+          <a:blip r:embed="rId4">
+            <a:extLst>
+              <a:ext uri="{28A0092B-C50C-407E-A947-70E740481C1C}">
+                <a14:useLocalDpi xmlns:a14="http://schemas.microsoft.com/office/drawing/2010/main" val="0"/>
+              </a:ext>
+            </a:extLst>
+          </a:blip>
+          <a:srcRect l="47377" t="2937" r="21148" b="6332"/>
+          <a:stretch/>
+        </p:blipFill>
+        <p:spPr bwMode="auto">
+          <a:xfrm>
+            <a:off x="9398832" y="614597"/>
+            <a:ext cx="1918742" cy="3387777"/>
+          </a:xfrm>
+          <a:prstGeom prst="rect">
+            <a:avLst/>
+          </a:prstGeom>
+          <a:noFill/>
+          <a:extLst>
+            <a:ext uri="{909E8E84-426E-40DD-AFC4-6F175D3DCCD1}">
+              <a14:hiddenFill xmlns:a14="http://schemas.microsoft.com/office/drawing/2010/main">
+                <a:solidFill>
+                  <a:srgbClr val="FFFFFF"/>
+                </a:solidFill>
+              </a14:hiddenFill>
+            </a:ext>
+          </a:extLst>
+        </p:spPr>
+      </p:pic>
+      <p:pic>
+        <p:nvPicPr>
+          <p:cNvPr id="2052" name="Picture 4" descr="191,000+ Computer Clipart Stock Illustrations, Royalty-Free Vector Graphics  &amp; Clip Art - iStock | Scanner clipart, Radio clipart, Mouse">
+            <a:extLst>
+              <a:ext uri="{FF2B5EF4-FFF2-40B4-BE49-F238E27FC236}">
+                <a16:creationId xmlns:a16="http://schemas.microsoft.com/office/drawing/2014/main" id="{6F4E353E-DF40-CF60-53C8-326BBA235054}"/>
+              </a:ext>
+            </a:extLst>
+          </p:cNvPr>
+          <p:cNvPicPr>
+            <a:picLocks noChangeAspect="1" noChangeArrowheads="1"/>
+          </p:cNvPicPr>
+          <p:nvPr/>
+        </p:nvPicPr>
+        <p:blipFill rotWithShape="1">
+          <a:blip r:embed="rId5">
+            <a:extLst>
+              <a:ext uri="{28A0092B-C50C-407E-A947-70E740481C1C}">
+                <a14:useLocalDpi xmlns:a14="http://schemas.microsoft.com/office/drawing/2010/main" val="0"/>
+              </a:ext>
+            </a:extLst>
+          </a:blip>
+          <a:srcRect l="19485" t="24606" r="19313" b="22935"/>
+          <a:stretch/>
+        </p:blipFill>
+        <p:spPr bwMode="auto">
+          <a:xfrm>
+            <a:off x="5495734" y="2614898"/>
+            <a:ext cx="3567659" cy="3057995"/>
+          </a:xfrm>
+          <a:prstGeom prst="rect">
+            <a:avLst/>
+          </a:prstGeom>
+          <a:noFill/>
+          <a:extLst>
+            <a:ext uri="{909E8E84-426E-40DD-AFC4-6F175D3DCCD1}">
+              <a14:hiddenFill xmlns:a14="http://schemas.microsoft.com/office/drawing/2010/main">
+                <a:solidFill>
+                  <a:srgbClr val="FFFFFF"/>
+                </a:solidFill>
+              </a14:hiddenFill>
+            </a:ext>
+          </a:extLst>
+        </p:spPr>
+      </p:pic>
+    </p:spTree>
+    <p:extLst>
+      <p:ext uri="{BB962C8B-B14F-4D97-AF65-F5344CB8AC3E}">
+        <p14:creationId xmlns:p14="http://schemas.microsoft.com/office/powerpoint/2010/main" val="200525534"/>
+      </p:ext>
+    </p:extLst>
+  </p:cSld>
+  <p:clrMapOvr>
+    <a:masterClrMapping/>
+  </p:clrMapOvr>
+</p:sld>
+</file>
+
+<file path=ppt/slides/slide5.xml><?xml version="1.0" encoding="utf-8"?>
 <p:sld xmlns:a="http://schemas.openxmlformats.org/drawingml/2006/main" xmlns:r="http://schemas.openxmlformats.org/officeDocument/2006/relationships" xmlns:p="http://schemas.openxmlformats.org/presentationml/2006/main">
   <p:cSld>
     <p:spTree>
@@ -3998,7 +5063,7 @@
 </p:sld>
 </file>
 
-<file path=ppt/slides/slide3.xml><?xml version="1.0" encoding="utf-8"?>
+<file path=ppt/slides/slide6.xml><?xml version="1.0" encoding="utf-8"?>
 <p:sld xmlns:a="http://schemas.openxmlformats.org/drawingml/2006/main" xmlns:r="http://schemas.openxmlformats.org/officeDocument/2006/relationships" xmlns:p="http://schemas.openxmlformats.org/presentationml/2006/main">
   <p:cSld>
     <p:spTree>
@@ -5244,7 +6309,7 @@
 </p:sld>
 </file>
 
-<file path=ppt/slides/slide4.xml><?xml version="1.0" encoding="utf-8"?>
+<file path=ppt/slides/slide7.xml><?xml version="1.0" encoding="utf-8"?>
 <p:sld xmlns:a="http://schemas.openxmlformats.org/drawingml/2006/main" xmlns:r="http://schemas.openxmlformats.org/officeDocument/2006/relationships" xmlns:p="http://schemas.openxmlformats.org/presentationml/2006/main">
   <p:cSld>
     <p:spTree>
